--- a/content/img/figures.pptx
+++ b/content/img/figures.pptx
@@ -10,6 +10,8 @@
     <p:sldId id="260" r:id="rId4"/>
     <p:sldId id="258" r:id="rId5"/>
     <p:sldId id="259" r:id="rId6"/>
+    <p:sldId id="261" r:id="rId7"/>
+    <p:sldId id="262" r:id="rId8"/>
   </p:sldIdLst>
   <p:sldSz cx="14400213" cy="14400213"/>
   <p:notesSz cx="6858000" cy="9144000"/>
@@ -6602,7 +6604,7 @@
           <a:p>
             <a:fld id="{ED69F1F4-42C6-426E-96C6-78C1200CCD6D}" type="datetimeFigureOut">
               <a:rPr lang="en-GB" smtClean="0"/>
-              <a:t>18/11/2020</a:t>
+              <a:t>23/11/2020</a:t>
             </a:fld>
             <a:endParaRPr lang="en-GB"/>
           </a:p>
@@ -6772,7 +6774,7 @@
           <a:p>
             <a:fld id="{ED69F1F4-42C6-426E-96C6-78C1200CCD6D}" type="datetimeFigureOut">
               <a:rPr lang="en-GB" smtClean="0"/>
-              <a:t>18/11/2020</a:t>
+              <a:t>23/11/2020</a:t>
             </a:fld>
             <a:endParaRPr lang="en-GB"/>
           </a:p>
@@ -6952,7 +6954,7 @@
           <a:p>
             <a:fld id="{ED69F1F4-42C6-426E-96C6-78C1200CCD6D}" type="datetimeFigureOut">
               <a:rPr lang="en-GB" smtClean="0"/>
-              <a:t>18/11/2020</a:t>
+              <a:t>23/11/2020</a:t>
             </a:fld>
             <a:endParaRPr lang="en-GB"/>
           </a:p>
@@ -7122,7 +7124,7 @@
           <a:p>
             <a:fld id="{ED69F1F4-42C6-426E-96C6-78C1200CCD6D}" type="datetimeFigureOut">
               <a:rPr lang="en-GB" smtClean="0"/>
-              <a:t>18/11/2020</a:t>
+              <a:t>23/11/2020</a:t>
             </a:fld>
             <a:endParaRPr lang="en-GB"/>
           </a:p>
@@ -7366,7 +7368,7 @@
           <a:p>
             <a:fld id="{ED69F1F4-42C6-426E-96C6-78C1200CCD6D}" type="datetimeFigureOut">
               <a:rPr lang="en-GB" smtClean="0"/>
-              <a:t>18/11/2020</a:t>
+              <a:t>23/11/2020</a:t>
             </a:fld>
             <a:endParaRPr lang="en-GB"/>
           </a:p>
@@ -7598,7 +7600,7 @@
           <a:p>
             <a:fld id="{ED69F1F4-42C6-426E-96C6-78C1200CCD6D}" type="datetimeFigureOut">
               <a:rPr lang="en-GB" smtClean="0"/>
-              <a:t>18/11/2020</a:t>
+              <a:t>23/11/2020</a:t>
             </a:fld>
             <a:endParaRPr lang="en-GB"/>
           </a:p>
@@ -7965,7 +7967,7 @@
           <a:p>
             <a:fld id="{ED69F1F4-42C6-426E-96C6-78C1200CCD6D}" type="datetimeFigureOut">
               <a:rPr lang="en-GB" smtClean="0"/>
-              <a:t>18/11/2020</a:t>
+              <a:t>23/11/2020</a:t>
             </a:fld>
             <a:endParaRPr lang="en-GB"/>
           </a:p>
@@ -8083,7 +8085,7 @@
           <a:p>
             <a:fld id="{ED69F1F4-42C6-426E-96C6-78C1200CCD6D}" type="datetimeFigureOut">
               <a:rPr lang="en-GB" smtClean="0"/>
-              <a:t>18/11/2020</a:t>
+              <a:t>23/11/2020</a:t>
             </a:fld>
             <a:endParaRPr lang="en-GB"/>
           </a:p>
@@ -8178,7 +8180,7 @@
           <a:p>
             <a:fld id="{ED69F1F4-42C6-426E-96C6-78C1200CCD6D}" type="datetimeFigureOut">
               <a:rPr lang="en-GB" smtClean="0"/>
-              <a:t>18/11/2020</a:t>
+              <a:t>23/11/2020</a:t>
             </a:fld>
             <a:endParaRPr lang="en-GB"/>
           </a:p>
@@ -8455,7 +8457,7 @@
           <a:p>
             <a:fld id="{ED69F1F4-42C6-426E-96C6-78C1200CCD6D}" type="datetimeFigureOut">
               <a:rPr lang="en-GB" smtClean="0"/>
-              <a:t>18/11/2020</a:t>
+              <a:t>23/11/2020</a:t>
             </a:fld>
             <a:endParaRPr lang="en-GB"/>
           </a:p>
@@ -8712,7 +8714,7 @@
           <a:p>
             <a:fld id="{ED69F1F4-42C6-426E-96C6-78C1200CCD6D}" type="datetimeFigureOut">
               <a:rPr lang="en-GB" smtClean="0"/>
-              <a:t>18/11/2020</a:t>
+              <a:t>23/11/2020</a:t>
             </a:fld>
             <a:endParaRPr lang="en-GB"/>
           </a:p>
@@ -8925,7 +8927,7 @@
           <a:p>
             <a:fld id="{ED69F1F4-42C6-426E-96C6-78C1200CCD6D}" type="datetimeFigureOut">
               <a:rPr lang="en-GB" smtClean="0"/>
-              <a:t>18/11/2020</a:t>
+              <a:t>23/11/2020</a:t>
             </a:fld>
             <a:endParaRPr lang="en-GB"/>
           </a:p>
@@ -14451,6 +14453,1276 @@
 </p:sld>
 </file>
 
+<file path=ppt/slides/slide6.xml><?xml version="1.0" encoding="utf-8"?>
+<p:sld xmlns:a="http://schemas.openxmlformats.org/drawingml/2006/main" xmlns:r="http://schemas.openxmlformats.org/officeDocument/2006/relationships" xmlns:p="http://schemas.openxmlformats.org/presentationml/2006/main">
+  <p:cSld>
+    <p:spTree>
+      <p:nvGrpSpPr>
+        <p:cNvPr id="1" name=""/>
+        <p:cNvGrpSpPr/>
+        <p:nvPr/>
+      </p:nvGrpSpPr>
+      <p:grpSpPr>
+        <a:xfrm>
+          <a:off x="0" y="0"/>
+          <a:ext cx="0" cy="0"/>
+          <a:chOff x="0" y="0"/>
+          <a:chExt cx="0" cy="0"/>
+        </a:xfrm>
+      </p:grpSpPr>
+      <p:sp>
+        <p:nvSpPr>
+          <p:cNvPr id="2" name="Arrow: Circular 1">
+            <a:extLst>
+              <a:ext uri="{FF2B5EF4-FFF2-40B4-BE49-F238E27FC236}">
+                <a16:creationId xmlns:a16="http://schemas.microsoft.com/office/drawing/2014/main" id="{B0785883-A9FC-4AD0-B726-7F8A93FCFCE3}"/>
+              </a:ext>
+            </a:extLst>
+          </p:cNvPr>
+          <p:cNvSpPr/>
+          <p:nvPr/>
+        </p:nvSpPr>
+        <p:spPr>
+          <a:xfrm>
+            <a:off x="5400106" y="5400106"/>
+            <a:ext cx="3600000" cy="3600000"/>
+          </a:xfrm>
+          <a:prstGeom prst="circularArrow">
+            <a:avLst>
+              <a:gd name="adj1" fmla="val 18251"/>
+              <a:gd name="adj2" fmla="val 586330"/>
+              <a:gd name="adj3" fmla="val 10114835"/>
+              <a:gd name="adj4" fmla="val 11191182"/>
+              <a:gd name="adj5" fmla="val 11843"/>
+            </a:avLst>
+          </a:prstGeom>
+          <a:solidFill>
+            <a:srgbClr val="FFC000"/>
+          </a:solidFill>
+          <a:ln>
+            <a:noFill/>
+          </a:ln>
+        </p:spPr>
+        <p:style>
+          <a:lnRef idx="0">
+            <a:scrgbClr r="0" g="0" b="0"/>
+          </a:lnRef>
+          <a:fillRef idx="0">
+            <a:scrgbClr r="0" g="0" b="0"/>
+          </a:fillRef>
+          <a:effectRef idx="0">
+            <a:scrgbClr r="0" g="0" b="0"/>
+          </a:effectRef>
+          <a:fontRef idx="minor">
+            <a:schemeClr val="dk1"/>
+          </a:fontRef>
+        </p:style>
+        <p:txBody>
+          <a:bodyPr rtlCol="0" anchor="ctr"/>
+          <a:lstStyle/>
+          <a:p>
+            <a:pPr algn="ctr"/>
+            <a:endParaRPr lang="en-GB" dirty="0">
+              <a:solidFill>
+                <a:schemeClr val="tx1"/>
+              </a:solidFill>
+            </a:endParaRPr>
+          </a:p>
+        </p:txBody>
+      </p:sp>
+      <p:sp>
+        <p:nvSpPr>
+          <p:cNvPr id="3" name="Rectangle 2">
+            <a:extLst>
+              <a:ext uri="{FF2B5EF4-FFF2-40B4-BE49-F238E27FC236}">
+                <a16:creationId xmlns:a16="http://schemas.microsoft.com/office/drawing/2014/main" id="{1431B18F-E050-46ED-B593-DEC2E7E8BC08}"/>
+              </a:ext>
+            </a:extLst>
+          </p:cNvPr>
+          <p:cNvSpPr/>
+          <p:nvPr/>
+        </p:nvSpPr>
+        <p:spPr>
+          <a:xfrm>
+            <a:off x="5400106" y="6300106"/>
+            <a:ext cx="3600000" cy="1800000"/>
+          </a:xfrm>
+          <a:prstGeom prst="rect">
+            <a:avLst/>
+          </a:prstGeom>
+          <a:noFill/>
+          <a:ln>
+            <a:noFill/>
+          </a:ln>
+        </p:spPr>
+        <p:style>
+          <a:lnRef idx="0">
+            <a:scrgbClr r="0" g="0" b="0"/>
+          </a:lnRef>
+          <a:fillRef idx="0">
+            <a:scrgbClr r="0" g="0" b="0"/>
+          </a:fillRef>
+          <a:effectRef idx="0">
+            <a:scrgbClr r="0" g="0" b="0"/>
+          </a:effectRef>
+          <a:fontRef idx="minor">
+            <a:schemeClr val="dk1"/>
+          </a:fontRef>
+        </p:style>
+        <p:txBody>
+          <a:bodyPr rtlCol="0" anchor="ctr"/>
+          <a:lstStyle/>
+          <a:p>
+            <a:pPr algn="ctr"/>
+            <a:r>
+              <a:rPr lang="fr-FR" b="1" dirty="0"/>
+              <a:t>CHANGE</a:t>
+            </a:r>
+            <a:endParaRPr lang="en-GB" b="1" dirty="0"/>
+          </a:p>
+        </p:txBody>
+      </p:sp>
+      <p:sp>
+        <p:nvSpPr>
+          <p:cNvPr id="4" name="Rectangle 3">
+            <a:extLst>
+              <a:ext uri="{FF2B5EF4-FFF2-40B4-BE49-F238E27FC236}">
+                <a16:creationId xmlns:a16="http://schemas.microsoft.com/office/drawing/2014/main" id="{4D558500-1AB9-4A23-97FF-FB6E7F7E1288}"/>
+              </a:ext>
+            </a:extLst>
+          </p:cNvPr>
+          <p:cNvSpPr/>
+          <p:nvPr/>
+        </p:nvSpPr>
+        <p:spPr>
+          <a:xfrm>
+            <a:off x="5400106" y="5277159"/>
+            <a:ext cx="3600000" cy="1145894"/>
+          </a:xfrm>
+          <a:prstGeom prst="rect">
+            <a:avLst/>
+          </a:prstGeom>
+          <a:noFill/>
+          <a:ln>
+            <a:noFill/>
+          </a:ln>
+        </p:spPr>
+        <p:style>
+          <a:lnRef idx="0">
+            <a:scrgbClr r="0" g="0" b="0"/>
+          </a:lnRef>
+          <a:fillRef idx="0">
+            <a:scrgbClr r="0" g="0" b="0"/>
+          </a:fillRef>
+          <a:effectRef idx="0">
+            <a:scrgbClr r="0" g="0" b="0"/>
+          </a:effectRef>
+          <a:fontRef idx="minor">
+            <a:schemeClr val="dk1"/>
+          </a:fontRef>
+        </p:style>
+        <p:txBody>
+          <a:bodyPr rtlCol="0" anchor="ctr"/>
+          <a:lstStyle/>
+          <a:p>
+            <a:pPr algn="ctr"/>
+            <a:r>
+              <a:rPr lang="fr-FR" b="1" dirty="0"/>
+              <a:t>Cognitive Control</a:t>
+            </a:r>
+            <a:endParaRPr lang="en-GB" b="1" dirty="0"/>
+          </a:p>
+        </p:txBody>
+      </p:sp>
+      <p:sp>
+        <p:nvSpPr>
+          <p:cNvPr id="6" name="Arrow: Circular 5">
+            <a:extLst>
+              <a:ext uri="{FF2B5EF4-FFF2-40B4-BE49-F238E27FC236}">
+                <a16:creationId xmlns:a16="http://schemas.microsoft.com/office/drawing/2014/main" id="{4FBDC788-78B3-472F-903C-3F6F3B28BDC8}"/>
+              </a:ext>
+            </a:extLst>
+          </p:cNvPr>
+          <p:cNvSpPr>
+            <a:spLocks noChangeAspect="1"/>
+          </p:cNvSpPr>
+          <p:nvPr/>
+        </p:nvSpPr>
+        <p:spPr>
+          <a:xfrm>
+            <a:off x="4711110" y="4710317"/>
+            <a:ext cx="4977991" cy="4977991"/>
+          </a:xfrm>
+          <a:prstGeom prst="circularArrow">
+            <a:avLst>
+              <a:gd name="adj1" fmla="val 9501"/>
+              <a:gd name="adj2" fmla="val 586330"/>
+              <a:gd name="adj3" fmla="val 9935479"/>
+              <a:gd name="adj4" fmla="val 11191182"/>
+              <a:gd name="adj5" fmla="val 7645"/>
+            </a:avLst>
+          </a:prstGeom>
+          <a:solidFill>
+            <a:srgbClr val="00B050"/>
+          </a:solidFill>
+          <a:ln>
+            <a:noFill/>
+          </a:ln>
+        </p:spPr>
+        <p:style>
+          <a:lnRef idx="0">
+            <a:scrgbClr r="0" g="0" b="0"/>
+          </a:lnRef>
+          <a:fillRef idx="0">
+            <a:scrgbClr r="0" g="0" b="0"/>
+          </a:fillRef>
+          <a:effectRef idx="0">
+            <a:scrgbClr r="0" g="0" b="0"/>
+          </a:effectRef>
+          <a:fontRef idx="minor">
+            <a:schemeClr val="dk1"/>
+          </a:fontRef>
+        </p:style>
+        <p:txBody>
+          <a:bodyPr rtlCol="0" anchor="ctr"/>
+          <a:lstStyle/>
+          <a:p>
+            <a:pPr algn="ctr"/>
+            <a:endParaRPr lang="en-GB" dirty="0">
+              <a:solidFill>
+                <a:schemeClr val="tx1"/>
+              </a:solidFill>
+            </a:endParaRPr>
+          </a:p>
+        </p:txBody>
+      </p:sp>
+      <p:sp>
+        <p:nvSpPr>
+          <p:cNvPr id="7" name="Rectangle 6">
+            <a:extLst>
+              <a:ext uri="{FF2B5EF4-FFF2-40B4-BE49-F238E27FC236}">
+                <a16:creationId xmlns:a16="http://schemas.microsoft.com/office/drawing/2014/main" id="{87EF772B-07D4-40BA-A784-1A5EA3C5B87A}"/>
+              </a:ext>
+            </a:extLst>
+          </p:cNvPr>
+          <p:cNvSpPr/>
+          <p:nvPr/>
+        </p:nvSpPr>
+        <p:spPr>
+          <a:xfrm>
+            <a:off x="5399313" y="4480026"/>
+            <a:ext cx="3600000" cy="1145894"/>
+          </a:xfrm>
+          <a:prstGeom prst="rect">
+            <a:avLst/>
+          </a:prstGeom>
+          <a:noFill/>
+          <a:ln>
+            <a:noFill/>
+          </a:ln>
+        </p:spPr>
+        <p:style>
+          <a:lnRef idx="0">
+            <a:scrgbClr r="0" g="0" b="0"/>
+          </a:lnRef>
+          <a:fillRef idx="0">
+            <a:scrgbClr r="0" g="0" b="0"/>
+          </a:fillRef>
+          <a:effectRef idx="0">
+            <a:scrgbClr r="0" g="0" b="0"/>
+          </a:effectRef>
+          <a:fontRef idx="minor">
+            <a:schemeClr val="dk1"/>
+          </a:fontRef>
+        </p:style>
+        <p:txBody>
+          <a:bodyPr rtlCol="0" anchor="ctr"/>
+          <a:lstStyle/>
+          <a:p>
+            <a:pPr algn="ctr"/>
+            <a:r>
+              <a:rPr lang="fr-FR" b="1" dirty="0" err="1"/>
+              <a:t>Neuroplasticity</a:t>
+            </a:r>
+            <a:endParaRPr lang="en-GB" b="1" dirty="0"/>
+          </a:p>
+        </p:txBody>
+      </p:sp>
+      <p:sp>
+        <p:nvSpPr>
+          <p:cNvPr id="8" name="Arrow: Circular 7">
+            <a:extLst>
+              <a:ext uri="{FF2B5EF4-FFF2-40B4-BE49-F238E27FC236}">
+                <a16:creationId xmlns:a16="http://schemas.microsoft.com/office/drawing/2014/main" id="{9EFD8296-7A44-4EB5-A27B-1E808030477D}"/>
+              </a:ext>
+            </a:extLst>
+          </p:cNvPr>
+          <p:cNvSpPr>
+            <a:spLocks noChangeAspect="1"/>
+          </p:cNvSpPr>
+          <p:nvPr/>
+        </p:nvSpPr>
+        <p:spPr>
+          <a:xfrm>
+            <a:off x="4156280" y="4156280"/>
+            <a:ext cx="6087652" cy="6087652"/>
+          </a:xfrm>
+          <a:prstGeom prst="circularArrow">
+            <a:avLst>
+              <a:gd name="adj1" fmla="val 7250"/>
+              <a:gd name="adj2" fmla="val 586330"/>
+              <a:gd name="adj3" fmla="val 9884106"/>
+              <a:gd name="adj4" fmla="val 11191182"/>
+              <a:gd name="adj5" fmla="val 5208"/>
+            </a:avLst>
+          </a:prstGeom>
+          <a:solidFill>
+            <a:srgbClr val="00B0F0"/>
+          </a:solidFill>
+          <a:ln>
+            <a:noFill/>
+          </a:ln>
+        </p:spPr>
+        <p:style>
+          <a:lnRef idx="0">
+            <a:scrgbClr r="0" g="0" b="0"/>
+          </a:lnRef>
+          <a:fillRef idx="0">
+            <a:scrgbClr r="0" g="0" b="0"/>
+          </a:fillRef>
+          <a:effectRef idx="0">
+            <a:scrgbClr r="0" g="0" b="0"/>
+          </a:effectRef>
+          <a:fontRef idx="minor">
+            <a:schemeClr val="dk1"/>
+          </a:fontRef>
+        </p:style>
+        <p:txBody>
+          <a:bodyPr rtlCol="0" anchor="ctr"/>
+          <a:lstStyle/>
+          <a:p>
+            <a:pPr algn="ctr"/>
+            <a:endParaRPr lang="en-GB" dirty="0">
+              <a:solidFill>
+                <a:schemeClr val="tx1"/>
+              </a:solidFill>
+            </a:endParaRPr>
+          </a:p>
+        </p:txBody>
+      </p:sp>
+      <p:sp>
+        <p:nvSpPr>
+          <p:cNvPr id="9" name="Rectangle 8">
+            <a:extLst>
+              <a:ext uri="{FF2B5EF4-FFF2-40B4-BE49-F238E27FC236}">
+                <a16:creationId xmlns:a16="http://schemas.microsoft.com/office/drawing/2014/main" id="{002D79CE-576E-4AAD-89CB-7699AFFB2C51}"/>
+              </a:ext>
+            </a:extLst>
+          </p:cNvPr>
+          <p:cNvSpPr/>
+          <p:nvPr/>
+        </p:nvSpPr>
+        <p:spPr>
+          <a:xfrm>
+            <a:off x="5399313" y="3907079"/>
+            <a:ext cx="3600000" cy="1145894"/>
+          </a:xfrm>
+          <a:prstGeom prst="rect">
+            <a:avLst/>
+          </a:prstGeom>
+          <a:noFill/>
+          <a:ln>
+            <a:noFill/>
+          </a:ln>
+        </p:spPr>
+        <p:style>
+          <a:lnRef idx="0">
+            <a:scrgbClr r="0" g="0" b="0"/>
+          </a:lnRef>
+          <a:fillRef idx="0">
+            <a:scrgbClr r="0" g="0" b="0"/>
+          </a:fillRef>
+          <a:effectRef idx="0">
+            <a:scrgbClr r="0" g="0" b="0"/>
+          </a:effectRef>
+          <a:fontRef idx="minor">
+            <a:schemeClr val="dk1"/>
+          </a:fontRef>
+        </p:style>
+        <p:txBody>
+          <a:bodyPr rtlCol="0" anchor="ctr"/>
+          <a:lstStyle/>
+          <a:p>
+            <a:pPr algn="ctr"/>
+            <a:r>
+              <a:rPr lang="fr-FR" b="1" dirty="0" err="1"/>
+              <a:t>Epigenetics</a:t>
+            </a:r>
+            <a:endParaRPr lang="en-GB" b="1" dirty="0"/>
+          </a:p>
+        </p:txBody>
+      </p:sp>
+      <p:sp>
+        <p:nvSpPr>
+          <p:cNvPr id="10" name="Rectangle 9">
+            <a:extLst>
+              <a:ext uri="{FF2B5EF4-FFF2-40B4-BE49-F238E27FC236}">
+                <a16:creationId xmlns:a16="http://schemas.microsoft.com/office/drawing/2014/main" id="{8B1E5D53-E28A-4F64-A297-C73570B837F7}"/>
+              </a:ext>
+            </a:extLst>
+          </p:cNvPr>
+          <p:cNvSpPr/>
+          <p:nvPr/>
+        </p:nvSpPr>
+        <p:spPr>
+          <a:xfrm>
+            <a:off x="6883558" y="11355988"/>
+            <a:ext cx="3600000" cy="1800000"/>
+          </a:xfrm>
+          <a:prstGeom prst="rect">
+            <a:avLst/>
+          </a:prstGeom>
+          <a:noFill/>
+          <a:ln>
+            <a:noFill/>
+          </a:ln>
+        </p:spPr>
+        <p:style>
+          <a:lnRef idx="0">
+            <a:scrgbClr r="0" g="0" b="0"/>
+          </a:lnRef>
+          <a:fillRef idx="0">
+            <a:scrgbClr r="0" g="0" b="0"/>
+          </a:fillRef>
+          <a:effectRef idx="0">
+            <a:scrgbClr r="0" g="0" b="0"/>
+          </a:effectRef>
+          <a:fontRef idx="minor">
+            <a:schemeClr val="dk1"/>
+          </a:fontRef>
+        </p:style>
+        <p:txBody>
+          <a:bodyPr rtlCol="0" anchor="ctr"/>
+          <a:lstStyle/>
+          <a:p>
+            <a:pPr algn="ctr"/>
+            <a:r>
+              <a:rPr lang="fr-FR" b="1" dirty="0"/>
+              <a:t>Time </a:t>
+            </a:r>
+            <a:r>
+              <a:rPr lang="fr-FR" b="1" dirty="0" err="1"/>
+              <a:t>scales</a:t>
+            </a:r>
+            <a:endParaRPr lang="en-GB" b="1" dirty="0"/>
+          </a:p>
+        </p:txBody>
+      </p:sp>
+      <p:sp>
+        <p:nvSpPr>
+          <p:cNvPr id="11" name="Arrow: Circular 10">
+            <a:extLst>
+              <a:ext uri="{FF2B5EF4-FFF2-40B4-BE49-F238E27FC236}">
+                <a16:creationId xmlns:a16="http://schemas.microsoft.com/office/drawing/2014/main" id="{EED834B3-7723-4CE9-B3EF-5BA6BE3EC092}"/>
+              </a:ext>
+            </a:extLst>
+          </p:cNvPr>
+          <p:cNvSpPr>
+            <a:spLocks noChangeAspect="1"/>
+          </p:cNvSpPr>
+          <p:nvPr/>
+        </p:nvSpPr>
+        <p:spPr>
+          <a:xfrm>
+            <a:off x="3497406" y="3497405"/>
+            <a:ext cx="7403814" cy="7403814"/>
+          </a:xfrm>
+          <a:prstGeom prst="circularArrow">
+            <a:avLst>
+              <a:gd name="adj1" fmla="val 8124"/>
+              <a:gd name="adj2" fmla="val 586330"/>
+              <a:gd name="adj3" fmla="val 9861150"/>
+              <a:gd name="adj4" fmla="val 11191182"/>
+              <a:gd name="adj5" fmla="val 5208"/>
+            </a:avLst>
+          </a:prstGeom>
+          <a:solidFill>
+            <a:srgbClr val="E91E63"/>
+          </a:solidFill>
+          <a:ln>
+            <a:noFill/>
+          </a:ln>
+        </p:spPr>
+        <p:style>
+          <a:lnRef idx="0">
+            <a:scrgbClr r="0" g="0" b="0"/>
+          </a:lnRef>
+          <a:fillRef idx="0">
+            <a:scrgbClr r="0" g="0" b="0"/>
+          </a:fillRef>
+          <a:effectRef idx="0">
+            <a:scrgbClr r="0" g="0" b="0"/>
+          </a:effectRef>
+          <a:fontRef idx="minor">
+            <a:schemeClr val="dk1"/>
+          </a:fontRef>
+        </p:style>
+        <p:txBody>
+          <a:bodyPr rtlCol="0" anchor="ctr"/>
+          <a:lstStyle/>
+          <a:p>
+            <a:pPr algn="ctr"/>
+            <a:endParaRPr lang="en-GB" dirty="0">
+              <a:solidFill>
+                <a:schemeClr val="tx1"/>
+              </a:solidFill>
+            </a:endParaRPr>
+          </a:p>
+        </p:txBody>
+      </p:sp>
+      <p:sp>
+        <p:nvSpPr>
+          <p:cNvPr id="13" name="Arrow: Circular 12">
+            <a:extLst>
+              <a:ext uri="{FF2B5EF4-FFF2-40B4-BE49-F238E27FC236}">
+                <a16:creationId xmlns:a16="http://schemas.microsoft.com/office/drawing/2014/main" id="{F7FF2C1D-866B-49C0-9720-36AD1A16E832}"/>
+              </a:ext>
+            </a:extLst>
+          </p:cNvPr>
+          <p:cNvSpPr>
+            <a:spLocks noChangeAspect="1"/>
+          </p:cNvSpPr>
+          <p:nvPr/>
+        </p:nvSpPr>
+        <p:spPr>
+          <a:xfrm>
+            <a:off x="2292111" y="2176457"/>
+            <a:ext cx="9814404" cy="9814404"/>
+          </a:xfrm>
+          <a:prstGeom prst="circularArrow">
+            <a:avLst>
+              <a:gd name="adj1" fmla="val 7250"/>
+              <a:gd name="adj2" fmla="val 586330"/>
+              <a:gd name="adj3" fmla="val 9884106"/>
+              <a:gd name="adj4" fmla="val 11191182"/>
+              <a:gd name="adj5" fmla="val 5208"/>
+            </a:avLst>
+          </a:prstGeom>
+          <a:solidFill>
+            <a:srgbClr val="7030A0"/>
+          </a:solidFill>
+          <a:ln>
+            <a:noFill/>
+          </a:ln>
+        </p:spPr>
+        <p:style>
+          <a:lnRef idx="0">
+            <a:scrgbClr r="0" g="0" b="0"/>
+          </a:lnRef>
+          <a:fillRef idx="0">
+            <a:scrgbClr r="0" g="0" b="0"/>
+          </a:fillRef>
+          <a:effectRef idx="0">
+            <a:scrgbClr r="0" g="0" b="0"/>
+          </a:effectRef>
+          <a:fontRef idx="minor">
+            <a:schemeClr val="dk1"/>
+          </a:fontRef>
+        </p:style>
+        <p:txBody>
+          <a:bodyPr rtlCol="0" anchor="ctr"/>
+          <a:lstStyle/>
+          <a:p>
+            <a:pPr algn="ctr"/>
+            <a:endParaRPr lang="en-GB" dirty="0">
+              <a:solidFill>
+                <a:schemeClr val="tx1"/>
+              </a:solidFill>
+            </a:endParaRPr>
+          </a:p>
+        </p:txBody>
+      </p:sp>
+      <p:sp>
+        <p:nvSpPr>
+          <p:cNvPr id="14" name="Rectangle 13">
+            <a:extLst>
+              <a:ext uri="{FF2B5EF4-FFF2-40B4-BE49-F238E27FC236}">
+                <a16:creationId xmlns:a16="http://schemas.microsoft.com/office/drawing/2014/main" id="{67A0E498-3E1B-465D-A927-A7DB5FC1C926}"/>
+              </a:ext>
+            </a:extLst>
+          </p:cNvPr>
+          <p:cNvSpPr/>
+          <p:nvPr/>
+        </p:nvSpPr>
+        <p:spPr>
+          <a:xfrm>
+            <a:off x="5114934" y="3322351"/>
+            <a:ext cx="4168757" cy="1145894"/>
+          </a:xfrm>
+          <a:prstGeom prst="rect">
+            <a:avLst/>
+          </a:prstGeom>
+          <a:noFill/>
+          <a:ln>
+            <a:noFill/>
+          </a:ln>
+        </p:spPr>
+        <p:style>
+          <a:lnRef idx="0">
+            <a:scrgbClr r="0" g="0" b="0"/>
+          </a:lnRef>
+          <a:fillRef idx="0">
+            <a:scrgbClr r="0" g="0" b="0"/>
+          </a:fillRef>
+          <a:effectRef idx="0">
+            <a:scrgbClr r="0" g="0" b="0"/>
+          </a:effectRef>
+          <a:fontRef idx="minor">
+            <a:schemeClr val="dk1"/>
+          </a:fontRef>
+        </p:style>
+        <p:txBody>
+          <a:bodyPr rtlCol="0" anchor="ctr"/>
+          <a:lstStyle/>
+          <a:p>
+            <a:pPr algn="ctr"/>
+            <a:r>
+              <a:rPr lang="fr-FR" b="1" dirty="0" err="1"/>
+              <a:t>Eovolution</a:t>
+            </a:r>
+            <a:r>
+              <a:rPr lang="fr-FR" b="1" dirty="0"/>
+              <a:t> of the </a:t>
+            </a:r>
+            <a:r>
+              <a:rPr lang="fr-FR" b="1" dirty="0" err="1"/>
+              <a:t>Commonalities</a:t>
+            </a:r>
+            <a:r>
+              <a:rPr lang="fr-FR" b="1" dirty="0"/>
+              <a:t> of </a:t>
+            </a:r>
+            <a:r>
+              <a:rPr lang="fr-FR" b="1" dirty="0" err="1"/>
+              <a:t>Being</a:t>
+            </a:r>
+            <a:endParaRPr lang="en-GB" b="1" dirty="0"/>
+          </a:p>
+        </p:txBody>
+      </p:sp>
+      <p:sp>
+        <p:nvSpPr>
+          <p:cNvPr id="15" name="Rectangle 14">
+            <a:extLst>
+              <a:ext uri="{FF2B5EF4-FFF2-40B4-BE49-F238E27FC236}">
+                <a16:creationId xmlns:a16="http://schemas.microsoft.com/office/drawing/2014/main" id="{5F4327D8-5CDA-4FE5-B534-4515A9C8BEA7}"/>
+              </a:ext>
+            </a:extLst>
+          </p:cNvPr>
+          <p:cNvSpPr/>
+          <p:nvPr/>
+        </p:nvSpPr>
+        <p:spPr>
+          <a:xfrm>
+            <a:off x="264702" y="607763"/>
+            <a:ext cx="3600000" cy="1800000"/>
+          </a:xfrm>
+          <a:prstGeom prst="rect">
+            <a:avLst/>
+          </a:prstGeom>
+          <a:noFill/>
+          <a:ln>
+            <a:noFill/>
+          </a:ln>
+        </p:spPr>
+        <p:style>
+          <a:lnRef idx="0">
+            <a:scrgbClr r="0" g="0" b="0"/>
+          </a:lnRef>
+          <a:fillRef idx="0">
+            <a:scrgbClr r="0" g="0" b="0"/>
+          </a:fillRef>
+          <a:effectRef idx="0">
+            <a:scrgbClr r="0" g="0" b="0"/>
+          </a:effectRef>
+          <a:fontRef idx="minor">
+            <a:schemeClr val="dk1"/>
+          </a:fontRef>
+        </p:style>
+        <p:txBody>
+          <a:bodyPr rtlCol="0" anchor="ctr"/>
+          <a:lstStyle/>
+          <a:p>
+            <a:pPr algn="ctr"/>
+            <a:r>
+              <a:rPr lang="fr-FR" b="1" dirty="0" err="1"/>
+              <a:t>Archetypes</a:t>
+            </a:r>
+            <a:endParaRPr lang="en-GB" b="1" dirty="0"/>
+          </a:p>
+        </p:txBody>
+      </p:sp>
+      <p:cxnSp>
+        <p:nvCxnSpPr>
+          <p:cNvPr id="17" name="Straight Arrow Connector 16">
+            <a:extLst>
+              <a:ext uri="{FF2B5EF4-FFF2-40B4-BE49-F238E27FC236}">
+                <a16:creationId xmlns:a16="http://schemas.microsoft.com/office/drawing/2014/main" id="{F2853F72-B6DA-4B00-911B-256B7362055E}"/>
+              </a:ext>
+            </a:extLst>
+          </p:cNvPr>
+          <p:cNvCxnSpPr>
+            <a:cxnSpLocks/>
+          </p:cNvCxnSpPr>
+          <p:nvPr/>
+        </p:nvCxnSpPr>
+        <p:spPr>
+          <a:xfrm flipH="1" flipV="1">
+            <a:off x="2064702" y="1886878"/>
+            <a:ext cx="3474707" cy="2486339"/>
+          </a:xfrm>
+          <a:prstGeom prst="straightConnector1">
+            <a:avLst/>
+          </a:prstGeom>
+          <a:ln w="76200">
+            <a:solidFill>
+              <a:schemeClr val="tx1"/>
+            </a:solidFill>
+            <a:headEnd type="none" w="med" len="med"/>
+            <a:tailEnd type="triangle" w="med" len="med"/>
+          </a:ln>
+        </p:spPr>
+        <p:style>
+          <a:lnRef idx="1">
+            <a:schemeClr val="accent1"/>
+          </a:lnRef>
+          <a:fillRef idx="0">
+            <a:schemeClr val="accent1"/>
+          </a:fillRef>
+          <a:effectRef idx="0">
+            <a:schemeClr val="accent1"/>
+          </a:effectRef>
+          <a:fontRef idx="minor">
+            <a:schemeClr val="tx1"/>
+          </a:fontRef>
+        </p:style>
+      </p:cxnSp>
+      <p:sp>
+        <p:nvSpPr>
+          <p:cNvPr id="12" name="Rectangle 11">
+            <a:extLst>
+              <a:ext uri="{FF2B5EF4-FFF2-40B4-BE49-F238E27FC236}">
+                <a16:creationId xmlns:a16="http://schemas.microsoft.com/office/drawing/2014/main" id="{5D0712D8-CD1A-4D15-9509-A30A90227FA4}"/>
+              </a:ext>
+            </a:extLst>
+          </p:cNvPr>
+          <p:cNvSpPr/>
+          <p:nvPr/>
+        </p:nvSpPr>
+        <p:spPr>
+          <a:xfrm>
+            <a:off x="5399312" y="2068845"/>
+            <a:ext cx="3600000" cy="1145894"/>
+          </a:xfrm>
+          <a:prstGeom prst="rect">
+            <a:avLst/>
+          </a:prstGeom>
+          <a:noFill/>
+          <a:ln>
+            <a:noFill/>
+          </a:ln>
+        </p:spPr>
+        <p:style>
+          <a:lnRef idx="0">
+            <a:scrgbClr r="0" g="0" b="0"/>
+          </a:lnRef>
+          <a:fillRef idx="0">
+            <a:scrgbClr r="0" g="0" b="0"/>
+          </a:fillRef>
+          <a:effectRef idx="0">
+            <a:scrgbClr r="0" g="0" b="0"/>
+          </a:effectRef>
+          <a:fontRef idx="minor">
+            <a:schemeClr val="dk1"/>
+          </a:fontRef>
+        </p:style>
+        <p:txBody>
+          <a:bodyPr rtlCol="0" anchor="ctr"/>
+          <a:lstStyle/>
+          <a:p>
+            <a:pPr algn="ctr"/>
+            <a:r>
+              <a:rPr lang="fr-FR" b="1" dirty="0" err="1"/>
+              <a:t>Genetics</a:t>
+            </a:r>
+            <a:endParaRPr lang="en-GB" b="1" dirty="0"/>
+          </a:p>
+        </p:txBody>
+      </p:sp>
+      <p:sp>
+        <p:nvSpPr>
+          <p:cNvPr id="19" name="Rectangle 18">
+            <a:extLst>
+              <a:ext uri="{FF2B5EF4-FFF2-40B4-BE49-F238E27FC236}">
+                <a16:creationId xmlns:a16="http://schemas.microsoft.com/office/drawing/2014/main" id="{6FC7F9E6-7238-4E10-9DE2-2696E0459284}"/>
+              </a:ext>
+            </a:extLst>
+          </p:cNvPr>
+          <p:cNvSpPr/>
+          <p:nvPr/>
+        </p:nvSpPr>
+        <p:spPr>
+          <a:xfrm>
+            <a:off x="2064702" y="11284784"/>
+            <a:ext cx="3600000" cy="1800000"/>
+          </a:xfrm>
+          <a:prstGeom prst="rect">
+            <a:avLst/>
+          </a:prstGeom>
+          <a:noFill/>
+          <a:ln>
+            <a:noFill/>
+          </a:ln>
+        </p:spPr>
+        <p:style>
+          <a:lnRef idx="0">
+            <a:scrgbClr r="0" g="0" b="0"/>
+          </a:lnRef>
+          <a:fillRef idx="0">
+            <a:scrgbClr r="0" g="0" b="0"/>
+          </a:fillRef>
+          <a:effectRef idx="0">
+            <a:scrgbClr r="0" g="0" b="0"/>
+          </a:effectRef>
+          <a:fontRef idx="minor">
+            <a:schemeClr val="dk1"/>
+          </a:fontRef>
+        </p:style>
+        <p:txBody>
+          <a:bodyPr rtlCol="0" anchor="ctr"/>
+          <a:lstStyle/>
+          <a:p>
+            <a:pPr algn="ctr"/>
+            <a:r>
+              <a:rPr lang="fr-FR" b="1" dirty="0" err="1"/>
+              <a:t>Societal</a:t>
+            </a:r>
+            <a:r>
+              <a:rPr lang="fr-FR" b="1" dirty="0"/>
+              <a:t> changes</a:t>
+            </a:r>
+            <a:endParaRPr lang="en-GB" b="1" dirty="0"/>
+          </a:p>
+        </p:txBody>
+      </p:sp>
+      <p:sp>
+        <p:nvSpPr>
+          <p:cNvPr id="20" name="Rectangle 19">
+            <a:extLst>
+              <a:ext uri="{FF2B5EF4-FFF2-40B4-BE49-F238E27FC236}">
+                <a16:creationId xmlns:a16="http://schemas.microsoft.com/office/drawing/2014/main" id="{F0064EBB-8A3F-4FFA-955D-7CDB383498CE}"/>
+              </a:ext>
+            </a:extLst>
+          </p:cNvPr>
+          <p:cNvSpPr/>
+          <p:nvPr/>
+        </p:nvSpPr>
+        <p:spPr>
+          <a:xfrm>
+            <a:off x="2002055" y="12302371"/>
+            <a:ext cx="3600000" cy="1800000"/>
+          </a:xfrm>
+          <a:prstGeom prst="rect">
+            <a:avLst/>
+          </a:prstGeom>
+          <a:noFill/>
+          <a:ln>
+            <a:noFill/>
+          </a:ln>
+        </p:spPr>
+        <p:style>
+          <a:lnRef idx="0">
+            <a:scrgbClr r="0" g="0" b="0"/>
+          </a:lnRef>
+          <a:fillRef idx="0">
+            <a:scrgbClr r="0" g="0" b="0"/>
+          </a:fillRef>
+          <a:effectRef idx="0">
+            <a:scrgbClr r="0" g="0" b="0"/>
+          </a:effectRef>
+          <a:fontRef idx="minor">
+            <a:schemeClr val="dk1"/>
+          </a:fontRef>
+        </p:style>
+        <p:txBody>
+          <a:bodyPr rtlCol="0" anchor="ctr"/>
+          <a:lstStyle/>
+          <a:p>
+            <a:pPr algn="ctr"/>
+            <a:r>
+              <a:rPr lang="fr-FR" b="1" dirty="0" err="1"/>
+              <a:t>Biology</a:t>
+            </a:r>
+            <a:endParaRPr lang="en-GB" b="1" dirty="0"/>
+          </a:p>
+        </p:txBody>
+      </p:sp>
+      <p:cxnSp>
+        <p:nvCxnSpPr>
+          <p:cNvPr id="21" name="Straight Arrow Connector 20">
+            <a:extLst>
+              <a:ext uri="{FF2B5EF4-FFF2-40B4-BE49-F238E27FC236}">
+                <a16:creationId xmlns:a16="http://schemas.microsoft.com/office/drawing/2014/main" id="{9D11254B-E8FB-4FBC-B5A2-761D672CAE03}"/>
+              </a:ext>
+            </a:extLst>
+          </p:cNvPr>
+          <p:cNvCxnSpPr>
+            <a:cxnSpLocks/>
+          </p:cNvCxnSpPr>
+          <p:nvPr/>
+        </p:nvCxnSpPr>
+        <p:spPr>
+          <a:xfrm flipH="1">
+            <a:off x="4369871" y="12327961"/>
+            <a:ext cx="520181" cy="874410"/>
+          </a:xfrm>
+          <a:prstGeom prst="straightConnector1">
+            <a:avLst/>
+          </a:prstGeom>
+          <a:ln w="76200">
+            <a:solidFill>
+              <a:schemeClr val="tx1"/>
+            </a:solidFill>
+            <a:headEnd type="none" w="med" len="med"/>
+            <a:tailEnd type="triangle" w="med" len="med"/>
+          </a:ln>
+        </p:spPr>
+        <p:style>
+          <a:lnRef idx="1">
+            <a:schemeClr val="accent1"/>
+          </a:lnRef>
+          <a:fillRef idx="0">
+            <a:schemeClr val="accent1"/>
+          </a:fillRef>
+          <a:effectRef idx="0">
+            <a:schemeClr val="accent1"/>
+          </a:effectRef>
+          <a:fontRef idx="minor">
+            <a:schemeClr val="tx1"/>
+          </a:fontRef>
+        </p:style>
+      </p:cxnSp>
+      <p:cxnSp>
+        <p:nvCxnSpPr>
+          <p:cNvPr id="22" name="Straight Arrow Connector 21">
+            <a:extLst>
+              <a:ext uri="{FF2B5EF4-FFF2-40B4-BE49-F238E27FC236}">
+                <a16:creationId xmlns:a16="http://schemas.microsoft.com/office/drawing/2014/main" id="{CA38719F-DF19-407C-9139-50CC8704A4EF}"/>
+              </a:ext>
+            </a:extLst>
+          </p:cNvPr>
+          <p:cNvCxnSpPr>
+            <a:cxnSpLocks/>
+          </p:cNvCxnSpPr>
+          <p:nvPr/>
+        </p:nvCxnSpPr>
+        <p:spPr>
+          <a:xfrm>
+            <a:off x="8494643" y="7199313"/>
+            <a:ext cx="2406577" cy="2147927"/>
+          </a:xfrm>
+          <a:prstGeom prst="straightConnector1">
+            <a:avLst/>
+          </a:prstGeom>
+          <a:ln w="76200">
+            <a:solidFill>
+              <a:schemeClr val="tx1"/>
+            </a:solidFill>
+            <a:headEnd type="none" w="med" len="med"/>
+            <a:tailEnd type="triangle" w="med" len="med"/>
+          </a:ln>
+        </p:spPr>
+        <p:style>
+          <a:lnRef idx="1">
+            <a:schemeClr val="accent1"/>
+          </a:lnRef>
+          <a:fillRef idx="0">
+            <a:schemeClr val="accent1"/>
+          </a:fillRef>
+          <a:effectRef idx="0">
+            <a:schemeClr val="accent1"/>
+          </a:effectRef>
+          <a:fontRef idx="minor">
+            <a:schemeClr val="tx1"/>
+          </a:fontRef>
+        </p:style>
+      </p:cxnSp>
+      <p:cxnSp>
+        <p:nvCxnSpPr>
+          <p:cNvPr id="24" name="Straight Arrow Connector 23">
+            <a:extLst>
+              <a:ext uri="{FF2B5EF4-FFF2-40B4-BE49-F238E27FC236}">
+                <a16:creationId xmlns:a16="http://schemas.microsoft.com/office/drawing/2014/main" id="{A602DB13-064A-4D06-91F7-3238132A191F}"/>
+              </a:ext>
+            </a:extLst>
+          </p:cNvPr>
+          <p:cNvCxnSpPr>
+            <a:cxnSpLocks/>
+          </p:cNvCxnSpPr>
+          <p:nvPr/>
+        </p:nvCxnSpPr>
+        <p:spPr>
+          <a:xfrm>
+            <a:off x="8494643" y="7911548"/>
+            <a:ext cx="504669" cy="384313"/>
+          </a:xfrm>
+          <a:prstGeom prst="straightConnector1">
+            <a:avLst/>
+          </a:prstGeom>
+          <a:ln w="76200">
+            <a:solidFill>
+              <a:schemeClr val="tx1"/>
+            </a:solidFill>
+            <a:headEnd type="none" w="med" len="med"/>
+            <a:tailEnd type="triangle" w="med" len="med"/>
+          </a:ln>
+        </p:spPr>
+        <p:style>
+          <a:lnRef idx="1">
+            <a:schemeClr val="accent1"/>
+          </a:lnRef>
+          <a:fillRef idx="0">
+            <a:schemeClr val="accent1"/>
+          </a:fillRef>
+          <a:effectRef idx="0">
+            <a:schemeClr val="accent1"/>
+          </a:effectRef>
+          <a:fontRef idx="minor">
+            <a:schemeClr val="tx1"/>
+          </a:fontRef>
+        </p:style>
+      </p:cxnSp>
+      <p:cxnSp>
+        <p:nvCxnSpPr>
+          <p:cNvPr id="27" name="Straight Arrow Connector 26">
+            <a:extLst>
+              <a:ext uri="{FF2B5EF4-FFF2-40B4-BE49-F238E27FC236}">
+                <a16:creationId xmlns:a16="http://schemas.microsoft.com/office/drawing/2014/main" id="{60AF9C84-46D5-413F-9444-70F705880C1E}"/>
+              </a:ext>
+            </a:extLst>
+          </p:cNvPr>
+          <p:cNvCxnSpPr>
+            <a:cxnSpLocks/>
+          </p:cNvCxnSpPr>
+          <p:nvPr/>
+        </p:nvCxnSpPr>
+        <p:spPr>
+          <a:xfrm>
+            <a:off x="8999313" y="9347240"/>
+            <a:ext cx="1019330" cy="1161734"/>
+          </a:xfrm>
+          <a:prstGeom prst="straightConnector1">
+            <a:avLst/>
+          </a:prstGeom>
+          <a:ln w="76200">
+            <a:solidFill>
+              <a:schemeClr val="tx1"/>
+            </a:solidFill>
+            <a:headEnd type="none" w="med" len="med"/>
+            <a:tailEnd type="triangle" w="med" len="med"/>
+          </a:ln>
+        </p:spPr>
+        <p:style>
+          <a:lnRef idx="1">
+            <a:schemeClr val="accent1"/>
+          </a:lnRef>
+          <a:fillRef idx="0">
+            <a:schemeClr val="accent1"/>
+          </a:fillRef>
+          <a:effectRef idx="0">
+            <a:schemeClr val="accent1"/>
+          </a:effectRef>
+          <a:fontRef idx="minor">
+            <a:schemeClr val="tx1"/>
+          </a:fontRef>
+        </p:style>
+      </p:cxnSp>
+      <p:cxnSp>
+        <p:nvCxnSpPr>
+          <p:cNvPr id="31" name="Straight Arrow Connector 30">
+            <a:extLst>
+              <a:ext uri="{FF2B5EF4-FFF2-40B4-BE49-F238E27FC236}">
+                <a16:creationId xmlns:a16="http://schemas.microsoft.com/office/drawing/2014/main" id="{AC78041D-EAB8-44AF-9855-206A2ACDECF2}"/>
+              </a:ext>
+            </a:extLst>
+          </p:cNvPr>
+          <p:cNvCxnSpPr>
+            <a:cxnSpLocks/>
+          </p:cNvCxnSpPr>
+          <p:nvPr/>
+        </p:nvCxnSpPr>
+        <p:spPr>
+          <a:xfrm flipH="1" flipV="1">
+            <a:off x="8375374" y="9581322"/>
+            <a:ext cx="371061" cy="530087"/>
+          </a:xfrm>
+          <a:prstGeom prst="straightConnector1">
+            <a:avLst/>
+          </a:prstGeom>
+          <a:ln w="76200">
+            <a:solidFill>
+              <a:schemeClr val="tx1"/>
+            </a:solidFill>
+            <a:headEnd type="none" w="med" len="med"/>
+            <a:tailEnd type="triangle" w="med" len="med"/>
+          </a:ln>
+        </p:spPr>
+        <p:style>
+          <a:lnRef idx="1">
+            <a:schemeClr val="accent1"/>
+          </a:lnRef>
+          <a:fillRef idx="0">
+            <a:schemeClr val="accent1"/>
+          </a:fillRef>
+          <a:effectRef idx="0">
+            <a:schemeClr val="accent1"/>
+          </a:effectRef>
+          <a:fontRef idx="minor">
+            <a:schemeClr val="tx1"/>
+          </a:fontRef>
+        </p:style>
+      </p:cxnSp>
+    </p:spTree>
+    <p:extLst>
+      <p:ext uri="{BB962C8B-B14F-4D97-AF65-F5344CB8AC3E}">
+        <p14:creationId xmlns:p14="http://schemas.microsoft.com/office/powerpoint/2010/main" val="1720608303"/>
+      </p:ext>
+    </p:extLst>
+  </p:cSld>
+  <p:clrMapOvr>
+    <a:masterClrMapping/>
+  </p:clrMapOvr>
+</p:sld>
+</file>
+
+<file path=ppt/slides/slide7.xml><?xml version="1.0" encoding="utf-8"?>
+<p:sld xmlns:a="http://schemas.openxmlformats.org/drawingml/2006/main" xmlns:r="http://schemas.openxmlformats.org/officeDocument/2006/relationships" xmlns:p="http://schemas.openxmlformats.org/presentationml/2006/main">
+  <p:cSld>
+    <p:spTree>
+      <p:nvGrpSpPr>
+        <p:cNvPr id="1" name=""/>
+        <p:cNvGrpSpPr/>
+        <p:nvPr/>
+      </p:nvGrpSpPr>
+      <p:grpSpPr>
+        <a:xfrm>
+          <a:off x="0" y="0"/>
+          <a:ext cx="0" cy="0"/>
+          <a:chOff x="0" y="0"/>
+          <a:chExt cx="0" cy="0"/>
+        </a:xfrm>
+      </p:grpSpPr>
+      <p:cxnSp>
+        <p:nvCxnSpPr>
+          <p:cNvPr id="6" name="Straight Arrow Connector 5">
+            <a:extLst>
+              <a:ext uri="{FF2B5EF4-FFF2-40B4-BE49-F238E27FC236}">
+                <a16:creationId xmlns:a16="http://schemas.microsoft.com/office/drawing/2014/main" id="{240A41F4-225C-4FC7-B0DC-AEE7B63161E7}"/>
+              </a:ext>
+            </a:extLst>
+          </p:cNvPr>
+          <p:cNvCxnSpPr/>
+          <p:nvPr/>
+        </p:nvCxnSpPr>
+        <p:spPr>
+          <a:xfrm>
+            <a:off x="1457739" y="7199313"/>
+            <a:ext cx="11502887" cy="0"/>
+          </a:xfrm>
+          <a:prstGeom prst="straightConnector1">
+            <a:avLst/>
+          </a:prstGeom>
+          <a:ln w="635000" cap="flat" cmpd="sng">
+            <a:solidFill>
+              <a:schemeClr val="accent1"/>
+            </a:solidFill>
+            <a:prstDash val="solid"/>
+            <a:miter lim="800000"/>
+            <a:tailEnd type="triangle" w="sm" len="sm"/>
+          </a:ln>
+        </p:spPr>
+        <p:style>
+          <a:lnRef idx="1">
+            <a:schemeClr val="accent1"/>
+          </a:lnRef>
+          <a:fillRef idx="0">
+            <a:schemeClr val="accent1"/>
+          </a:fillRef>
+          <a:effectRef idx="0">
+            <a:schemeClr val="accent1"/>
+          </a:effectRef>
+          <a:fontRef idx="minor">
+            <a:schemeClr val="tx1"/>
+          </a:fontRef>
+        </p:style>
+      </p:cxnSp>
+      <p:cxnSp>
+        <p:nvCxnSpPr>
+          <p:cNvPr id="7" name="Straight Arrow Connector 6">
+            <a:extLst>
+              <a:ext uri="{FF2B5EF4-FFF2-40B4-BE49-F238E27FC236}">
+                <a16:creationId xmlns:a16="http://schemas.microsoft.com/office/drawing/2014/main" id="{879981D1-3251-4E5D-A1A5-7869DD35C81B}"/>
+              </a:ext>
+            </a:extLst>
+          </p:cNvPr>
+          <p:cNvCxnSpPr/>
+          <p:nvPr/>
+        </p:nvCxnSpPr>
+        <p:spPr>
+          <a:xfrm>
+            <a:off x="1457739" y="4608513"/>
+            <a:ext cx="11502887" cy="0"/>
+          </a:xfrm>
+          <a:prstGeom prst="straightConnector1">
+            <a:avLst/>
+          </a:prstGeom>
+          <a:ln w="635000" cap="flat" cmpd="sng">
+            <a:solidFill>
+              <a:schemeClr val="accent1"/>
+            </a:solidFill>
+            <a:prstDash val="solid"/>
+            <a:miter lim="800000"/>
+            <a:tailEnd type="triangle" w="sm" len="sm"/>
+          </a:ln>
+        </p:spPr>
+        <p:style>
+          <a:lnRef idx="1">
+            <a:schemeClr val="accent1"/>
+          </a:lnRef>
+          <a:fillRef idx="0">
+            <a:schemeClr val="accent1"/>
+          </a:fillRef>
+          <a:effectRef idx="0">
+            <a:schemeClr val="accent1"/>
+          </a:effectRef>
+          <a:fontRef idx="minor">
+            <a:schemeClr val="tx1"/>
+          </a:fontRef>
+        </p:style>
+      </p:cxnSp>
+    </p:spTree>
+    <p:extLst>
+      <p:ext uri="{BB962C8B-B14F-4D97-AF65-F5344CB8AC3E}">
+        <p14:creationId xmlns:p14="http://schemas.microsoft.com/office/powerpoint/2010/main" val="2468887665"/>
+      </p:ext>
+    </p:extLst>
+  </p:cSld>
+  <p:clrMapOvr>
+    <a:masterClrMapping/>
+  </p:clrMapOvr>
+</p:sld>
+</file>
+
 <file path=ppt/theme/theme1.xml><?xml version="1.0" encoding="utf-8"?>
 <a:theme xmlns:a="http://schemas.openxmlformats.org/drawingml/2006/main" name="Office Theme">
   <a:themeElements>
